--- a/2012_1_5__client_side_mvx_frameworks/1 - Intro.pptx
+++ b/2012_1_5__client_side_mvx_frameworks/1 - Intro.pptx
@@ -10,8 +10,8 @@
     <p:sldId id="267" r:id="rId4"/>
     <p:sldId id="268" r:id="rId5"/>
     <p:sldId id="269" r:id="rId6"/>
-    <p:sldId id="270" r:id="rId7"/>
-    <p:sldId id="271" r:id="rId8"/>
+    <p:sldId id="271" r:id="rId7"/>
+    <p:sldId id="273" r:id="rId8"/>
     <p:sldId id="265" r:id="rId9"/>
     <p:sldId id="258" r:id="rId10"/>
     <p:sldId id="259" r:id="rId11"/>
@@ -303,7 +303,7 @@
             <a:fld id="{1D8BD707-D9CF-40AE-B4C6-C98DA3205C09}" type="datetimeFigureOut">
               <a:rPr lang="en-US" smtClean="0"/>
               <a:pPr/>
-              <a:t>1/3/2012</a:t>
+              <a:t>1/4/2012</a:t>
             </a:fld>
             <a:endParaRPr lang="en-US"/>
           </a:p>
@@ -470,7 +470,7 @@
             <a:fld id="{1D8BD707-D9CF-40AE-B4C6-C98DA3205C09}" type="datetimeFigureOut">
               <a:rPr lang="en-US" smtClean="0"/>
               <a:pPr/>
-              <a:t>1/3/2012</a:t>
+              <a:t>1/4/2012</a:t>
             </a:fld>
             <a:endParaRPr lang="en-US"/>
           </a:p>
@@ -647,7 +647,7 @@
             <a:fld id="{1D8BD707-D9CF-40AE-B4C6-C98DA3205C09}" type="datetimeFigureOut">
               <a:rPr lang="en-US" smtClean="0"/>
               <a:pPr/>
-              <a:t>1/3/2012</a:t>
+              <a:t>1/4/2012</a:t>
             </a:fld>
             <a:endParaRPr lang="en-US"/>
           </a:p>
@@ -814,7 +814,7 @@
             <a:fld id="{1D8BD707-D9CF-40AE-B4C6-C98DA3205C09}" type="datetimeFigureOut">
               <a:rPr lang="en-US" smtClean="0"/>
               <a:pPr/>
-              <a:t>1/3/2012</a:t>
+              <a:t>1/4/2012</a:t>
             </a:fld>
             <a:endParaRPr lang="en-US"/>
           </a:p>
@@ -1057,7 +1057,7 @@
             <a:fld id="{1D8BD707-D9CF-40AE-B4C6-C98DA3205C09}" type="datetimeFigureOut">
               <a:rPr lang="en-US" smtClean="0"/>
               <a:pPr/>
-              <a:t>1/3/2012</a:t>
+              <a:t>1/4/2012</a:t>
             </a:fld>
             <a:endParaRPr lang="en-US"/>
           </a:p>
@@ -1342,7 +1342,7 @@
             <a:fld id="{1D8BD707-D9CF-40AE-B4C6-C98DA3205C09}" type="datetimeFigureOut">
               <a:rPr lang="en-US" smtClean="0"/>
               <a:pPr/>
-              <a:t>1/3/2012</a:t>
+              <a:t>1/4/2012</a:t>
             </a:fld>
             <a:endParaRPr lang="en-US"/>
           </a:p>
@@ -1761,7 +1761,7 @@
             <a:fld id="{1D8BD707-D9CF-40AE-B4C6-C98DA3205C09}" type="datetimeFigureOut">
               <a:rPr lang="en-US" smtClean="0"/>
               <a:pPr/>
-              <a:t>1/3/2012</a:t>
+              <a:t>1/4/2012</a:t>
             </a:fld>
             <a:endParaRPr lang="en-US"/>
           </a:p>
@@ -1876,7 +1876,7 @@
             <a:fld id="{1D8BD707-D9CF-40AE-B4C6-C98DA3205C09}" type="datetimeFigureOut">
               <a:rPr lang="en-US" smtClean="0"/>
               <a:pPr/>
-              <a:t>1/3/2012</a:t>
+              <a:t>1/4/2012</a:t>
             </a:fld>
             <a:endParaRPr lang="en-US"/>
           </a:p>
@@ -1968,7 +1968,7 @@
             <a:fld id="{1D8BD707-D9CF-40AE-B4C6-C98DA3205C09}" type="datetimeFigureOut">
               <a:rPr lang="en-US" smtClean="0"/>
               <a:pPr/>
-              <a:t>1/3/2012</a:t>
+              <a:t>1/4/2012</a:t>
             </a:fld>
             <a:endParaRPr lang="en-US"/>
           </a:p>
@@ -2242,7 +2242,7 @@
             <a:fld id="{1D8BD707-D9CF-40AE-B4C6-C98DA3205C09}" type="datetimeFigureOut">
               <a:rPr lang="en-US" smtClean="0"/>
               <a:pPr/>
-              <a:t>1/3/2012</a:t>
+              <a:t>1/4/2012</a:t>
             </a:fld>
             <a:endParaRPr lang="en-US"/>
           </a:p>
@@ -2492,7 +2492,7 @@
             <a:fld id="{1D8BD707-D9CF-40AE-B4C6-C98DA3205C09}" type="datetimeFigureOut">
               <a:rPr lang="en-US" smtClean="0"/>
               <a:pPr/>
-              <a:t>1/3/2012</a:t>
+              <a:t>1/4/2012</a:t>
             </a:fld>
             <a:endParaRPr lang="en-US"/>
           </a:p>
@@ -2711,7 +2711,7 @@
             <a:fld id="{1D8BD707-D9CF-40AE-B4C6-C98DA3205C09}" type="datetimeFigureOut">
               <a:rPr lang="en-US" smtClean="0"/>
               <a:pPr/>
-              <a:t>1/3/2012</a:t>
+              <a:t>1/4/2012</a:t>
             </a:fld>
             <a:endParaRPr lang="en-US"/>
           </a:p>
@@ -3307,7 +3307,6 @@
               <a:rPr lang="en-US" dirty="0"/>
               <a:t>Ember is a JavaScript framework for creating ambitious web applications by eliminating boilerplate and providing a standard application architecture.</a:t>
             </a:r>
-            <a:endParaRPr lang="en-US" dirty="0"/>
           </a:p>
           <a:p>
             <a:pPr marL="0" indent="0">
@@ -3543,11 +3542,7 @@
             </a:r>
             <a:r>
               <a:rPr lang="en-US" dirty="0" smtClean="0"/>
-              <a:t> (documentation</a:t>
-            </a:r>
-            <a:r>
-              <a:rPr lang="en-US" dirty="0" smtClean="0"/>
-              <a:t>)</a:t>
+              <a:t> (documentation)</a:t>
             </a:r>
           </a:p>
           <a:p>
@@ -3675,12 +3670,14 @@
         </p:nvSpPr>
         <p:spPr>
           <a:xfrm>
-            <a:off x="457200" y="1752601"/>
-            <a:ext cx="8229600" cy="1295400"/>
+            <a:off x="457200" y="1752600"/>
+            <a:ext cx="8229600" cy="2438399"/>
           </a:xfrm>
         </p:spPr>
         <p:txBody>
-          <a:bodyPr/>
+          <a:bodyPr>
+            <a:normAutofit/>
+          </a:bodyPr>
           <a:lstStyle/>
           <a:p>
             <a:pPr marL="0" indent="0">
@@ -3688,8 +3685,22 @@
             </a:pPr>
             <a:r>
               <a:rPr lang="en-US" dirty="0"/>
-              <a:t>Simplify dynamic JavaScript UIs by applying the Model-View-View Model (MVVM)</a:t>
-            </a:r>
+              <a:t>Simplify dynamic JavaScript UIs by applying the Model-View-View Model (MVVM</a:t>
+            </a:r>
+            <a:r>
+              <a:rPr lang="en-US" dirty="0" smtClean="0"/>
+              <a:t>)</a:t>
+            </a:r>
+          </a:p>
+          <a:p>
+            <a:pPr marL="0" indent="0">
+              <a:buNone/>
+            </a:pPr>
+            <a:r>
+              <a:rPr lang="en-US" b="1" dirty="0" smtClean="0"/>
+              <a:t>Current Version: 2.0.0</a:t>
+            </a:r>
+            <a:endParaRPr lang="en-US" b="1" dirty="0"/>
           </a:p>
         </p:txBody>
       </p:sp>
@@ -3871,12 +3882,30 @@
           </a:xfrm>
         </p:spPr>
         <p:txBody>
-          <a:bodyPr/>
-          <a:lstStyle/>
-          <a:p>
+          <a:bodyPr>
+            <a:normAutofit fontScale="90000"/>
+          </a:bodyPr>
+          <a:lstStyle/>
+          <a:p>
+            <a:r>
+              <a:rPr lang="en-US" smtClean="0"/>
+              <a:t>Perhaps </a:t>
+            </a:r>
+            <a:r>
+              <a:rPr lang="en-US" smtClean="0"/>
+              <a:t>some </a:t>
+            </a:r>
+            <a:r>
+              <a:rPr lang="en-US" smtClean="0"/>
+              <a:t>code </a:t>
+            </a:r>
+            <a:r>
+              <a:rPr lang="en-US" smtClean="0"/>
+              <a:t>samples </a:t>
+            </a:r>
             <a:r>
               <a:rPr lang="en-US" dirty="0" smtClean="0"/>
-              <a:t>Perhaps a code sample will help</a:t>
+              <a:t>will help</a:t>
             </a:r>
             <a:endParaRPr lang="en-US" dirty="0"/>
           </a:p>
@@ -4516,167 +4545,6 @@
           <a:p>
             <a:r>
               <a:rPr lang="en-US" dirty="0" smtClean="0"/>
-              <a:t>The Lifecycle of the Modern Web Developer</a:t>
-            </a:r>
-            <a:r>
-              <a:rPr lang="en-US" dirty="0"/>
-              <a:t> re: </a:t>
-            </a:r>
-            <a:r>
-              <a:rPr lang="en-US" dirty="0" err="1"/>
-              <a:t>Javascript</a:t>
-            </a:r>
-            <a:r>
-              <a:rPr lang="en-US" dirty="0" smtClean="0"/>
-              <a:t> </a:t>
-            </a:r>
-            <a:endParaRPr lang="en-US" dirty="0"/>
-          </a:p>
-        </p:txBody>
-      </p:sp>
-      <p:pic>
-        <p:nvPicPr>
-          <p:cNvPr id="4098" name="Picture 2" descr="http://t0.gstatic.com/images?q=tbn:ANd9GcTYWgXooAQE6C5rwA-BUEZVmdqRvOJpFD4aD0rRogrL5cEeamox"/>
-          <p:cNvPicPr>
-            <a:picLocks noChangeAspect="1" noChangeArrowheads="1"/>
-          </p:cNvPicPr>
-          <p:nvPr/>
-        </p:nvPicPr>
-        <p:blipFill>
-          <a:blip r:embed="rId2">
-            <a:extLst>
-              <a:ext uri="{28A0092B-C50C-407E-A947-70E740481C1C}">
-                <a14:useLocalDpi xmlns:a14="http://schemas.microsoft.com/office/drawing/2010/main" val="0"/>
-              </a:ext>
-            </a:extLst>
-          </a:blip>
-          <a:srcRect/>
-          <a:stretch>
-            <a:fillRect/>
-          </a:stretch>
-        </p:blipFill>
-        <p:spPr bwMode="auto">
-          <a:xfrm>
-            <a:off x="2514599" y="2286000"/>
-            <a:ext cx="3910517" cy="2743200"/>
-          </a:xfrm>
-          <a:prstGeom prst="rect">
-            <a:avLst/>
-          </a:prstGeom>
-          <a:noFill/>
-          <a:extLst>
-            <a:ext uri="{909E8E84-426E-40DD-AFC4-6F175D3DCCD1}">
-              <a14:hiddenFill xmlns:a14="http://schemas.microsoft.com/office/drawing/2010/main">
-                <a:solidFill>
-                  <a:srgbClr val="FFFFFF"/>
-                </a:solidFill>
-              </a14:hiddenFill>
-            </a:ext>
-          </a:extLst>
-        </p:spPr>
-      </p:pic>
-      <p:sp>
-        <p:nvSpPr>
-          <p:cNvPr id="7" name="Content Placeholder 2"/>
-          <p:cNvSpPr>
-            <a:spLocks noGrp="1"/>
-          </p:cNvSpPr>
-          <p:nvPr>
-            <p:ph idx="1"/>
-          </p:nvPr>
-        </p:nvSpPr>
-        <p:spPr>
-          <a:xfrm>
-            <a:off x="228600" y="1600201"/>
-            <a:ext cx="8686800" cy="609600"/>
-          </a:xfrm>
-        </p:spPr>
-        <p:txBody>
-          <a:bodyPr>
-            <a:normAutofit/>
-          </a:bodyPr>
-          <a:lstStyle/>
-          <a:p>
-            <a:pPr marL="0" indent="0" algn="ctr">
-              <a:buNone/>
-            </a:pPr>
-            <a:r>
-              <a:rPr lang="en-US" b="1" dirty="0" smtClean="0"/>
-              <a:t>Stage 3: Realization that </a:t>
-            </a:r>
-            <a:r>
-              <a:rPr lang="en-US" b="1" dirty="0" err="1" smtClean="0"/>
-              <a:t>Javascript</a:t>
-            </a:r>
-            <a:r>
-              <a:rPr lang="en-US" b="1" dirty="0" smtClean="0"/>
-              <a:t> is Cool</a:t>
-            </a:r>
-          </a:p>
-          <a:p>
-            <a:pPr marL="0" indent="0">
-              <a:buNone/>
-            </a:pPr>
-            <a:endParaRPr lang="en-US" dirty="0"/>
-          </a:p>
-        </p:txBody>
-      </p:sp>
-    </p:spTree>
-    <p:extLst>
-      <p:ext uri="{BB962C8B-B14F-4D97-AF65-F5344CB8AC3E}">
-        <p14:creationId xmlns:p14="http://schemas.microsoft.com/office/powerpoint/2010/main" val="3109445339"/>
-      </p:ext>
-    </p:extLst>
-  </p:cSld>
-  <p:clrMapOvr>
-    <a:masterClrMapping/>
-  </p:clrMapOvr>
-  <p:timing>
-    <p:tnLst>
-      <p:par>
-        <p:cTn id="1" dur="indefinite" restart="never" nodeType="tmRoot"/>
-      </p:par>
-    </p:tnLst>
-  </p:timing>
-</p:sld>
-</file>
-
-<file path=ppt/slides/slide7.xml><?xml version="1.0" encoding="utf-8"?>
-<p:sld xmlns:a="http://schemas.openxmlformats.org/drawingml/2006/main" xmlns:r="http://schemas.openxmlformats.org/officeDocument/2006/relationships" xmlns:p="http://schemas.openxmlformats.org/presentationml/2006/main">
-  <p:cSld>
-    <p:spTree>
-      <p:nvGrpSpPr>
-        <p:cNvPr id="1" name=""/>
-        <p:cNvGrpSpPr/>
-        <p:nvPr/>
-      </p:nvGrpSpPr>
-      <p:grpSpPr>
-        <a:xfrm>
-          <a:off x="0" y="0"/>
-          <a:ext cx="0" cy="0"/>
-          <a:chOff x="0" y="0"/>
-          <a:chExt cx="0" cy="0"/>
-        </a:xfrm>
-      </p:grpSpPr>
-      <p:sp>
-        <p:nvSpPr>
-          <p:cNvPr id="2" name="Title 1"/>
-          <p:cNvSpPr>
-            <a:spLocks noGrp="1"/>
-          </p:cNvSpPr>
-          <p:nvPr>
-            <p:ph type="title"/>
-          </p:nvPr>
-        </p:nvSpPr>
-        <p:spPr/>
-        <p:txBody>
-          <a:bodyPr>
-            <a:normAutofit fontScale="90000"/>
-          </a:bodyPr>
-          <a:lstStyle/>
-          <a:p>
-            <a:r>
-              <a:rPr lang="en-US" dirty="0" smtClean="0"/>
               <a:t>The Lifecycle of the Modern Web Developer re</a:t>
             </a:r>
             <a:r>
@@ -4821,6 +4689,168 @@
 </p:sld>
 </file>
 
+<file path=ppt/slides/slide7.xml><?xml version="1.0" encoding="utf-8"?>
+<p:sld xmlns:a="http://schemas.openxmlformats.org/drawingml/2006/main" xmlns:r="http://schemas.openxmlformats.org/officeDocument/2006/relationships" xmlns:p="http://schemas.openxmlformats.org/presentationml/2006/main">
+  <p:cSld>
+    <p:spTree>
+      <p:nvGrpSpPr>
+        <p:cNvPr id="1" name=""/>
+        <p:cNvGrpSpPr/>
+        <p:nvPr/>
+      </p:nvGrpSpPr>
+      <p:grpSpPr>
+        <a:xfrm>
+          <a:off x="0" y="0"/>
+          <a:ext cx="0" cy="0"/>
+          <a:chOff x="0" y="0"/>
+          <a:chExt cx="0" cy="0"/>
+        </a:xfrm>
+      </p:grpSpPr>
+      <p:sp>
+        <p:nvSpPr>
+          <p:cNvPr id="2" name="Title 1"/>
+          <p:cNvSpPr>
+            <a:spLocks noGrp="1"/>
+          </p:cNvSpPr>
+          <p:nvPr>
+            <p:ph type="title"/>
+          </p:nvPr>
+        </p:nvSpPr>
+        <p:spPr/>
+        <p:txBody>
+          <a:bodyPr>
+            <a:normAutofit fontScale="90000"/>
+          </a:bodyPr>
+          <a:lstStyle/>
+          <a:p>
+            <a:r>
+              <a:rPr lang="en-US" dirty="0" smtClean="0"/>
+              <a:t>The Lifecycle of the Modern Web Developer re</a:t>
+            </a:r>
+            <a:r>
+              <a:rPr lang="en-US" dirty="0"/>
+              <a:t>: </a:t>
+            </a:r>
+            <a:r>
+              <a:rPr lang="en-US" dirty="0" err="1"/>
+              <a:t>Javascript</a:t>
+            </a:r>
+            <a:endParaRPr lang="en-US" dirty="0"/>
+          </a:p>
+        </p:txBody>
+      </p:sp>
+      <p:sp>
+        <p:nvSpPr>
+          <p:cNvPr id="3" name="Content Placeholder 2"/>
+          <p:cNvSpPr>
+            <a:spLocks noGrp="1"/>
+          </p:cNvSpPr>
+          <p:nvPr>
+            <p:ph idx="1"/>
+          </p:nvPr>
+        </p:nvSpPr>
+        <p:spPr>
+          <a:xfrm>
+            <a:off x="228600" y="1600201"/>
+            <a:ext cx="8686800" cy="609600"/>
+          </a:xfrm>
+        </p:spPr>
+        <p:txBody>
+          <a:bodyPr>
+            <a:normAutofit/>
+          </a:bodyPr>
+          <a:lstStyle/>
+          <a:p>
+            <a:pPr marL="0" indent="0" algn="ctr">
+              <a:buNone/>
+            </a:pPr>
+            <a:r>
+              <a:rPr lang="en-US" b="1" dirty="0" smtClean="0"/>
+              <a:t>Stage </a:t>
+            </a:r>
+            <a:r>
+              <a:rPr lang="en-US" b="1" dirty="0" smtClean="0"/>
+              <a:t>4: Doing Lots of </a:t>
+            </a:r>
+            <a:r>
+              <a:rPr lang="en-US" b="1" dirty="0" err="1" smtClean="0"/>
+              <a:t>Javascript</a:t>
+            </a:r>
+            <a:r>
+              <a:rPr lang="en-US" b="1" dirty="0" smtClean="0"/>
+              <a:t> Well Is Hard</a:t>
+            </a:r>
+            <a:endParaRPr lang="en-US" b="1" dirty="0" smtClean="0"/>
+          </a:p>
+          <a:p>
+            <a:pPr marL="0" indent="0">
+              <a:buNone/>
+            </a:pPr>
+            <a:endParaRPr lang="en-US" dirty="0"/>
+          </a:p>
+        </p:txBody>
+      </p:sp>
+      <p:pic>
+        <p:nvPicPr>
+          <p:cNvPr id="1026" name="Picture 2" descr="http://english-learners.com/wp-content/uploads/difficult.jpg"/>
+          <p:cNvPicPr>
+            <a:picLocks noChangeAspect="1" noChangeArrowheads="1"/>
+          </p:cNvPicPr>
+          <p:nvPr/>
+        </p:nvPicPr>
+        <p:blipFill>
+          <a:blip r:embed="rId2">
+            <a:extLst>
+              <a:ext uri="{28A0092B-C50C-407E-A947-70E740481C1C}">
+                <a14:useLocalDpi xmlns:a14="http://schemas.microsoft.com/office/drawing/2010/main" val="0"/>
+              </a:ext>
+            </a:extLst>
+          </a:blip>
+          <a:srcRect/>
+          <a:stretch>
+            <a:fillRect/>
+          </a:stretch>
+        </p:blipFill>
+        <p:spPr bwMode="auto">
+          <a:xfrm>
+            <a:off x="1600200" y="2133600"/>
+            <a:ext cx="5867400" cy="4400550"/>
+          </a:xfrm>
+          <a:prstGeom prst="rect">
+            <a:avLst/>
+          </a:prstGeom>
+          <a:noFill/>
+          <a:extLst>
+            <a:ext uri="{909E8E84-426E-40DD-AFC4-6F175D3DCCD1}">
+              <a14:hiddenFill xmlns:a14="http://schemas.microsoft.com/office/drawing/2010/main">
+                <a:solidFill>
+                  <a:srgbClr val="FFFFFF"/>
+                </a:solidFill>
+              </a14:hiddenFill>
+            </a:ext>
+          </a:extLst>
+        </p:spPr>
+      </p:pic>
+    </p:spTree>
+    <p:extLst>
+      <p:ext uri="{BB962C8B-B14F-4D97-AF65-F5344CB8AC3E}">
+        <p14:creationId xmlns:p14="http://schemas.microsoft.com/office/powerpoint/2010/main" val="2208253287"/>
+      </p:ext>
+    </p:extLst>
+  </p:cSld>
+  <p:clrMapOvr>
+    <a:masterClrMapping/>
+  </p:clrMapOvr>
+  <p:timing>
+    <p:tnLst>
+      <p:par>
+        <p:cTn id="1" dur="indefinite" restart="never" nodeType="tmRoot"/>
+      </p:par>
+    </p:tnLst>
+  </p:timing>
+</p:sld>
+</file>
+
 <file path=ppt/slides/slide8.xml><?xml version="1.0" encoding="utf-8"?>
 <p:sld xmlns:a="http://schemas.openxmlformats.org/drawingml/2006/main" xmlns:r="http://schemas.openxmlformats.org/officeDocument/2006/relationships" xmlns:p="http://schemas.openxmlformats.org/presentationml/2006/main">
   <p:cSld>
@@ -4850,8 +4880,8 @@
         </p:nvSpPr>
         <p:spPr>
           <a:xfrm>
-            <a:off x="457200" y="2209800"/>
-            <a:ext cx="8229600" cy="1143000"/>
+            <a:off x="457200" y="1066800"/>
+            <a:ext cx="8229600" cy="4038600"/>
           </a:xfrm>
         </p:spPr>
         <p:txBody>
@@ -4861,8 +4891,30 @@
           <a:lstStyle/>
           <a:p>
             <a:r>
+              <a:rPr lang="en-US" dirty="0" err="1" smtClean="0"/>
+              <a:t>Javascript</a:t>
+            </a:r>
+            <a:r>
               <a:rPr lang="en-US" dirty="0" smtClean="0"/>
-              <a:t>Let’s start by hearing from them in their own words</a:t>
+              <a:t> MV* library creators think that they can help you though.</a:t>
+            </a:r>
+            <a:br>
+              <a:rPr lang="en-US" dirty="0" smtClean="0"/>
+            </a:br>
+            <a:r>
+              <a:rPr lang="en-US" dirty="0" smtClean="0"/>
+              <a:t/>
+            </a:r>
+            <a:br>
+              <a:rPr lang="en-US" dirty="0" smtClean="0"/>
+            </a:br>
+            <a:r>
+              <a:rPr lang="en-US" dirty="0" smtClean="0"/>
+              <a:t>Let’s </a:t>
+            </a:r>
+            <a:r>
+              <a:rPr lang="en-US" dirty="0" smtClean="0"/>
+              <a:t>start by hearing from them in their own words</a:t>
             </a:r>
             <a:endParaRPr lang="en-US" dirty="0"/>
           </a:p>
